--- a/FAST_Sim_TEF/5MW-Turbine-Inputfiles/openFAST-Inputfiles.pptx
+++ b/FAST_Sim_TEF/5MW-Turbine-Inputfiles/openFAST-Inputfiles.pptx
@@ -8,6 +8,9 @@
     <p:sldId id="256" r:id="rId2"/>
     <p:sldId id="257" r:id="rId3"/>
     <p:sldId id="258" r:id="rId4"/>
+    <p:sldId id="259" r:id="rId5"/>
+    <p:sldId id="260" r:id="rId6"/>
+    <p:sldId id="261" r:id="rId7"/>
   </p:sldIdLst>
   <p:sldSz cx="12192000" cy="6858000"/>
   <p:notesSz cx="6858000" cy="9144000"/>
@@ -106,6 +109,11 @@
       </a:defRPr>
     </a:lvl9pPr>
   </p:defaultTextStyle>
+  <p:extLst>
+    <p:ext uri="{EFAFB233-063F-42B5-8137-9DF3F51BA10A}">
+      <p15:sldGuideLst xmlns:p15="http://schemas.microsoft.com/office/powerpoint/2012/main"/>
+    </p:ext>
+  </p:extLst>
 </p:presentation>
 </file>
 
@@ -256,7 +264,7 @@
           <a:p>
             <a:fld id="{835D0C8B-9FAC-4BEA-BDC1-1F9C3B694D89}" type="datetimeFigureOut">
               <a:rPr lang="de-DE" smtClean="0"/>
-              <a:t>09.12.2022</a:t>
+              <a:t>08.09.2023</a:t>
             </a:fld>
             <a:endParaRPr lang="de-DE"/>
           </a:p>
@@ -454,7 +462,7 @@
           <a:p>
             <a:fld id="{835D0C8B-9FAC-4BEA-BDC1-1F9C3B694D89}" type="datetimeFigureOut">
               <a:rPr lang="de-DE" smtClean="0"/>
-              <a:t>09.12.2022</a:t>
+              <a:t>08.09.2023</a:t>
             </a:fld>
             <a:endParaRPr lang="de-DE"/>
           </a:p>
@@ -662,7 +670,7 @@
           <a:p>
             <a:fld id="{835D0C8B-9FAC-4BEA-BDC1-1F9C3B694D89}" type="datetimeFigureOut">
               <a:rPr lang="de-DE" smtClean="0"/>
-              <a:t>09.12.2022</a:t>
+              <a:t>08.09.2023</a:t>
             </a:fld>
             <a:endParaRPr lang="de-DE"/>
           </a:p>
@@ -860,7 +868,7 @@
           <a:p>
             <a:fld id="{835D0C8B-9FAC-4BEA-BDC1-1F9C3B694D89}" type="datetimeFigureOut">
               <a:rPr lang="de-DE" smtClean="0"/>
-              <a:t>09.12.2022</a:t>
+              <a:t>08.09.2023</a:t>
             </a:fld>
             <a:endParaRPr lang="de-DE"/>
           </a:p>
@@ -1135,7 +1143,7 @@
           <a:p>
             <a:fld id="{835D0C8B-9FAC-4BEA-BDC1-1F9C3B694D89}" type="datetimeFigureOut">
               <a:rPr lang="de-DE" smtClean="0"/>
-              <a:t>09.12.2022</a:t>
+              <a:t>08.09.2023</a:t>
             </a:fld>
             <a:endParaRPr lang="de-DE"/>
           </a:p>
@@ -1400,7 +1408,7 @@
           <a:p>
             <a:fld id="{835D0C8B-9FAC-4BEA-BDC1-1F9C3B694D89}" type="datetimeFigureOut">
               <a:rPr lang="de-DE" smtClean="0"/>
-              <a:t>09.12.2022</a:t>
+              <a:t>08.09.2023</a:t>
             </a:fld>
             <a:endParaRPr lang="de-DE"/>
           </a:p>
@@ -1812,7 +1820,7 @@
           <a:p>
             <a:fld id="{835D0C8B-9FAC-4BEA-BDC1-1F9C3B694D89}" type="datetimeFigureOut">
               <a:rPr lang="de-DE" smtClean="0"/>
-              <a:t>09.12.2022</a:t>
+              <a:t>08.09.2023</a:t>
             </a:fld>
             <a:endParaRPr lang="de-DE"/>
           </a:p>
@@ -1953,7 +1961,7 @@
           <a:p>
             <a:fld id="{835D0C8B-9FAC-4BEA-BDC1-1F9C3B694D89}" type="datetimeFigureOut">
               <a:rPr lang="de-DE" smtClean="0"/>
-              <a:t>09.12.2022</a:t>
+              <a:t>08.09.2023</a:t>
             </a:fld>
             <a:endParaRPr lang="de-DE"/>
           </a:p>
@@ -2066,7 +2074,7 @@
           <a:p>
             <a:fld id="{835D0C8B-9FAC-4BEA-BDC1-1F9C3B694D89}" type="datetimeFigureOut">
               <a:rPr lang="de-DE" smtClean="0"/>
-              <a:t>09.12.2022</a:t>
+              <a:t>08.09.2023</a:t>
             </a:fld>
             <a:endParaRPr lang="de-DE"/>
           </a:p>
@@ -2377,7 +2385,7 @@
           <a:p>
             <a:fld id="{835D0C8B-9FAC-4BEA-BDC1-1F9C3B694D89}" type="datetimeFigureOut">
               <a:rPr lang="de-DE" smtClean="0"/>
-              <a:t>09.12.2022</a:t>
+              <a:t>08.09.2023</a:t>
             </a:fld>
             <a:endParaRPr lang="de-DE"/>
           </a:p>
@@ -2665,7 +2673,7 @@
           <a:p>
             <a:fld id="{835D0C8B-9FAC-4BEA-BDC1-1F9C3B694D89}" type="datetimeFigureOut">
               <a:rPr lang="de-DE" smtClean="0"/>
-              <a:t>09.12.2022</a:t>
+              <a:t>08.09.2023</a:t>
             </a:fld>
             <a:endParaRPr lang="de-DE"/>
           </a:p>
@@ -2906,7 +2914,7 @@
           <a:p>
             <a:fld id="{835D0C8B-9FAC-4BEA-BDC1-1F9C3B694D89}" type="datetimeFigureOut">
               <a:rPr lang="de-DE" smtClean="0"/>
-              <a:t>09.12.2022</a:t>
+              <a:t>08.09.2023</a:t>
             </a:fld>
             <a:endParaRPr lang="de-DE"/>
           </a:p>
@@ -4597,6 +4605,870 @@
 </p:sld>
 </file>
 
+<file path=ppt/slides/slide4.xml><?xml version="1.0" encoding="utf-8"?>
+<p:sld xmlns:a="http://schemas.openxmlformats.org/drawingml/2006/main" xmlns:r="http://schemas.openxmlformats.org/officeDocument/2006/relationships" xmlns:p="http://schemas.openxmlformats.org/presentationml/2006/main">
+  <p:cSld>
+    <p:spTree>
+      <p:nvGrpSpPr>
+        <p:cNvPr id="1" name=""/>
+        <p:cNvGrpSpPr/>
+        <p:nvPr/>
+      </p:nvGrpSpPr>
+      <p:grpSpPr>
+        <a:xfrm>
+          <a:off x="0" y="0"/>
+          <a:ext cx="0" cy="0"/>
+          <a:chOff x="0" y="0"/>
+          <a:chExt cx="0" cy="0"/>
+        </a:xfrm>
+      </p:grpSpPr>
+      <p:pic>
+        <p:nvPicPr>
+          <p:cNvPr id="3" name="Grafik 2">
+            <a:extLst>
+              <a:ext uri="{FF2B5EF4-FFF2-40B4-BE49-F238E27FC236}">
+                <a16:creationId xmlns:a16="http://schemas.microsoft.com/office/drawing/2014/main" id="{1A88EEE1-1AE5-4C3E-AFF9-D9EE0C5FB573}"/>
+              </a:ext>
+            </a:extLst>
+          </p:cNvPr>
+          <p:cNvPicPr>
+            <a:picLocks noChangeAspect="1"/>
+          </p:cNvPicPr>
+          <p:nvPr/>
+        </p:nvPicPr>
+        <p:blipFill rotWithShape="1">
+          <a:blip r:embed="rId2">
+            <a:extLst>
+              <a:ext uri="{28A0092B-C50C-407E-A947-70E740481C1C}">
+                <a14:useLocalDpi xmlns:a14="http://schemas.microsoft.com/office/drawing/2010/main" val="0"/>
+              </a:ext>
+            </a:extLst>
+          </a:blip>
+          <a:srcRect/>
+          <a:stretch/>
+        </p:blipFill>
+        <p:spPr>
+          <a:xfrm>
+            <a:off x="1187334" y="1106978"/>
+            <a:ext cx="9726851" cy="3922222"/>
+          </a:xfrm>
+          <a:prstGeom prst="rect">
+            <a:avLst/>
+          </a:prstGeom>
+        </p:spPr>
+      </p:pic>
+    </p:spTree>
+    <p:extLst>
+      <p:ext uri="{BB962C8B-B14F-4D97-AF65-F5344CB8AC3E}">
+        <p14:creationId xmlns:p14="http://schemas.microsoft.com/office/powerpoint/2010/main" val="3202310561"/>
+      </p:ext>
+    </p:extLst>
+  </p:cSld>
+  <p:clrMapOvr>
+    <a:masterClrMapping/>
+  </p:clrMapOvr>
+</p:sld>
+</file>
+
+<file path=ppt/slides/slide5.xml><?xml version="1.0" encoding="utf-8"?>
+<p:sld xmlns:a="http://schemas.openxmlformats.org/drawingml/2006/main" xmlns:r="http://schemas.openxmlformats.org/officeDocument/2006/relationships" xmlns:p="http://schemas.openxmlformats.org/presentationml/2006/main">
+  <p:cSld>
+    <p:spTree>
+      <p:nvGrpSpPr>
+        <p:cNvPr id="1" name=""/>
+        <p:cNvGrpSpPr/>
+        <p:nvPr/>
+      </p:nvGrpSpPr>
+      <p:grpSpPr>
+        <a:xfrm>
+          <a:off x="0" y="0"/>
+          <a:ext cx="0" cy="0"/>
+          <a:chOff x="0" y="0"/>
+          <a:chExt cx="0" cy="0"/>
+        </a:xfrm>
+      </p:grpSpPr>
+      <p:grpSp>
+        <p:nvGrpSpPr>
+          <p:cNvPr id="8" name="Gruppieren 7">
+            <a:extLst>
+              <a:ext uri="{FF2B5EF4-FFF2-40B4-BE49-F238E27FC236}">
+                <a16:creationId xmlns:a16="http://schemas.microsoft.com/office/drawing/2014/main" id="{8A650727-DD49-4751-A5A8-8E8EE8B0769E}"/>
+              </a:ext>
+            </a:extLst>
+          </p:cNvPr>
+          <p:cNvGrpSpPr/>
+          <p:nvPr/>
+        </p:nvGrpSpPr>
+        <p:grpSpPr>
+          <a:xfrm>
+            <a:off x="0" y="1423559"/>
+            <a:ext cx="12192000" cy="4010882"/>
+            <a:chOff x="0" y="1423559"/>
+            <a:chExt cx="12192000" cy="4010882"/>
+          </a:xfrm>
+        </p:grpSpPr>
+        <p:pic>
+          <p:nvPicPr>
+            <p:cNvPr id="3" name="Grafik 2">
+              <a:extLst>
+                <a:ext uri="{FF2B5EF4-FFF2-40B4-BE49-F238E27FC236}">
+                  <a16:creationId xmlns:a16="http://schemas.microsoft.com/office/drawing/2014/main" id="{1D0A088D-BFE7-4874-806A-CB1A414BBF18}"/>
+                </a:ext>
+              </a:extLst>
+            </p:cNvPr>
+            <p:cNvPicPr>
+              <a:picLocks noChangeAspect="1"/>
+            </p:cNvPicPr>
+            <p:nvPr/>
+          </p:nvPicPr>
+          <p:blipFill>
+            <a:blip r:embed="rId2">
+              <a:extLst>
+                <a:ext uri="{28A0092B-C50C-407E-A947-70E740481C1C}">
+                  <a14:useLocalDpi xmlns:a14="http://schemas.microsoft.com/office/drawing/2010/main" val="0"/>
+                </a:ext>
+              </a:extLst>
+            </a:blip>
+            <a:stretch>
+              <a:fillRect/>
+            </a:stretch>
+          </p:blipFill>
+          <p:spPr>
+            <a:xfrm>
+              <a:off x="0" y="1423559"/>
+              <a:ext cx="12192000" cy="4010882"/>
+            </a:xfrm>
+            <a:prstGeom prst="rect">
+              <a:avLst/>
+            </a:prstGeom>
+          </p:spPr>
+        </p:pic>
+        <p:sp>
+          <p:nvSpPr>
+            <p:cNvPr id="4" name="Textfeld 3">
+              <a:extLst>
+                <a:ext uri="{FF2B5EF4-FFF2-40B4-BE49-F238E27FC236}">
+                  <a16:creationId xmlns:a16="http://schemas.microsoft.com/office/drawing/2014/main" id="{91D53FC9-3C98-40FD-8229-D925D5D363D7}"/>
+                </a:ext>
+              </a:extLst>
+            </p:cNvPr>
+            <p:cNvSpPr txBox="1"/>
+            <p:nvPr/>
+          </p:nvSpPr>
+          <p:spPr>
+            <a:xfrm>
+              <a:off x="0" y="3172020"/>
+              <a:ext cx="1242325" cy="369332"/>
+            </a:xfrm>
+            <a:prstGeom prst="rect">
+              <a:avLst/>
+            </a:prstGeom>
+            <a:solidFill>
+              <a:schemeClr val="bg1"/>
+            </a:solidFill>
+          </p:spPr>
+          <p:txBody>
+            <a:bodyPr wrap="square" rtlCol="0">
+              <a:spAutoFit/>
+            </a:bodyPr>
+            <a:lstStyle/>
+            <a:p>
+              <a:r>
+                <a:rPr lang="en-US" dirty="0">
+                  <a:latin typeface="Arial" panose="020B0604020202020204" pitchFamily="34" charset="0"/>
+                  <a:cs typeface="Arial" panose="020B0604020202020204" pitchFamily="34" charset="0"/>
+                </a:rPr>
+                <a:t>Cylinder 1</a:t>
+              </a:r>
+              <a:endParaRPr lang="de-DE" dirty="0">
+                <a:latin typeface="Arial" panose="020B0604020202020204" pitchFamily="34" charset="0"/>
+                <a:cs typeface="Arial" panose="020B0604020202020204" pitchFamily="34" charset="0"/>
+              </a:endParaRPr>
+            </a:p>
+          </p:txBody>
+        </p:sp>
+        <p:sp>
+          <p:nvSpPr>
+            <p:cNvPr id="6" name="Rechteck 5">
+              <a:extLst>
+                <a:ext uri="{FF2B5EF4-FFF2-40B4-BE49-F238E27FC236}">
+                  <a16:creationId xmlns:a16="http://schemas.microsoft.com/office/drawing/2014/main" id="{9E031E0E-61EF-48FA-9E63-A521D664680B}"/>
+                </a:ext>
+              </a:extLst>
+            </p:cNvPr>
+            <p:cNvSpPr/>
+            <p:nvPr/>
+          </p:nvSpPr>
+          <p:spPr>
+            <a:xfrm>
+              <a:off x="1242325" y="3386640"/>
+              <a:ext cx="990072" cy="195492"/>
+            </a:xfrm>
+            <a:prstGeom prst="rect">
+              <a:avLst/>
+            </a:prstGeom>
+            <a:solidFill>
+              <a:schemeClr val="bg1"/>
+            </a:solidFill>
+            <a:ln>
+              <a:solidFill>
+                <a:schemeClr val="bg1"/>
+              </a:solidFill>
+            </a:ln>
+          </p:spPr>
+          <p:style>
+            <a:lnRef idx="2">
+              <a:schemeClr val="accent1">
+                <a:shade val="50000"/>
+              </a:schemeClr>
+            </a:lnRef>
+            <a:fillRef idx="1">
+              <a:schemeClr val="accent1"/>
+            </a:fillRef>
+            <a:effectRef idx="0">
+              <a:schemeClr val="accent1"/>
+            </a:effectRef>
+            <a:fontRef idx="minor">
+              <a:schemeClr val="lt1"/>
+            </a:fontRef>
+          </p:style>
+          <p:txBody>
+            <a:bodyPr rtlCol="0" anchor="ctr"/>
+            <a:lstStyle/>
+            <a:p>
+              <a:pPr algn="ctr"/>
+              <a:endParaRPr lang="de-DE"/>
+            </a:p>
+          </p:txBody>
+        </p:sp>
+        <p:sp>
+          <p:nvSpPr>
+            <p:cNvPr id="7" name="Rechteck 6">
+              <a:extLst>
+                <a:ext uri="{FF2B5EF4-FFF2-40B4-BE49-F238E27FC236}">
+                  <a16:creationId xmlns:a16="http://schemas.microsoft.com/office/drawing/2014/main" id="{4967D3EB-54E3-4EAC-ABED-D70122996718}"/>
+                </a:ext>
+              </a:extLst>
+            </p:cNvPr>
+            <p:cNvSpPr/>
+            <p:nvPr/>
+          </p:nvSpPr>
+          <p:spPr>
+            <a:xfrm>
+              <a:off x="1363194" y="3541352"/>
+              <a:ext cx="150296" cy="195492"/>
+            </a:xfrm>
+            <a:prstGeom prst="rect">
+              <a:avLst/>
+            </a:prstGeom>
+            <a:solidFill>
+              <a:schemeClr val="bg1"/>
+            </a:solidFill>
+            <a:ln>
+              <a:solidFill>
+                <a:schemeClr val="bg1"/>
+              </a:solidFill>
+            </a:ln>
+          </p:spPr>
+          <p:style>
+            <a:lnRef idx="2">
+              <a:schemeClr val="accent1">
+                <a:shade val="50000"/>
+              </a:schemeClr>
+            </a:lnRef>
+            <a:fillRef idx="1">
+              <a:schemeClr val="accent1"/>
+            </a:fillRef>
+            <a:effectRef idx="0">
+              <a:schemeClr val="accent1"/>
+            </a:effectRef>
+            <a:fontRef idx="minor">
+              <a:schemeClr val="lt1"/>
+            </a:fontRef>
+          </p:style>
+          <p:txBody>
+            <a:bodyPr rtlCol="0" anchor="ctr"/>
+            <a:lstStyle/>
+            <a:p>
+              <a:pPr algn="ctr"/>
+              <a:endParaRPr lang="de-DE"/>
+            </a:p>
+          </p:txBody>
+        </p:sp>
+        <p:sp>
+          <p:nvSpPr>
+            <p:cNvPr id="5" name="Textfeld 4">
+              <a:extLst>
+                <a:ext uri="{FF2B5EF4-FFF2-40B4-BE49-F238E27FC236}">
+                  <a16:creationId xmlns:a16="http://schemas.microsoft.com/office/drawing/2014/main" id="{7312371D-7FB7-44A5-9BF8-8DB6E8C1390F}"/>
+                </a:ext>
+              </a:extLst>
+            </p:cNvPr>
+            <p:cNvSpPr txBox="1"/>
+            <p:nvPr/>
+          </p:nvSpPr>
+          <p:spPr>
+            <a:xfrm>
+              <a:off x="1098330" y="3293623"/>
+              <a:ext cx="1242326" cy="369332"/>
+            </a:xfrm>
+            <a:prstGeom prst="rect">
+              <a:avLst/>
+            </a:prstGeom>
+            <a:noFill/>
+          </p:spPr>
+          <p:txBody>
+            <a:bodyPr wrap="square" rtlCol="0">
+              <a:spAutoFit/>
+            </a:bodyPr>
+            <a:lstStyle/>
+            <a:p>
+              <a:r>
+                <a:rPr lang="en-US" dirty="0">
+                  <a:latin typeface="Arial" panose="020B0604020202020204" pitchFamily="34" charset="0"/>
+                  <a:cs typeface="Arial" panose="020B0604020202020204" pitchFamily="34" charset="0"/>
+                </a:rPr>
+                <a:t>Cylinder 2</a:t>
+              </a:r>
+              <a:endParaRPr lang="de-DE" dirty="0">
+                <a:latin typeface="Arial" panose="020B0604020202020204" pitchFamily="34" charset="0"/>
+                <a:cs typeface="Arial" panose="020B0604020202020204" pitchFamily="34" charset="0"/>
+              </a:endParaRPr>
+            </a:p>
+          </p:txBody>
+        </p:sp>
+      </p:grpSp>
+    </p:spTree>
+    <p:extLst>
+      <p:ext uri="{BB962C8B-B14F-4D97-AF65-F5344CB8AC3E}">
+        <p14:creationId xmlns:p14="http://schemas.microsoft.com/office/powerpoint/2010/main" val="374541712"/>
+      </p:ext>
+    </p:extLst>
+  </p:cSld>
+  <p:clrMapOvr>
+    <a:masterClrMapping/>
+  </p:clrMapOvr>
+</p:sld>
+</file>
+
+<file path=ppt/slides/slide6.xml><?xml version="1.0" encoding="utf-8"?>
+<p:sld xmlns:a="http://schemas.openxmlformats.org/drawingml/2006/main" xmlns:r="http://schemas.openxmlformats.org/officeDocument/2006/relationships" xmlns:p="http://schemas.openxmlformats.org/presentationml/2006/main">
+  <p:cSld>
+    <p:spTree>
+      <p:nvGrpSpPr>
+        <p:cNvPr id="1" name=""/>
+        <p:cNvGrpSpPr/>
+        <p:nvPr/>
+      </p:nvGrpSpPr>
+      <p:grpSpPr>
+        <a:xfrm>
+          <a:off x="0" y="0"/>
+          <a:ext cx="0" cy="0"/>
+          <a:chOff x="0" y="0"/>
+          <a:chExt cx="0" cy="0"/>
+        </a:xfrm>
+      </p:grpSpPr>
+      <p:grpSp>
+        <p:nvGrpSpPr>
+          <p:cNvPr id="12" name="Gruppieren 11">
+            <a:extLst>
+              <a:ext uri="{FF2B5EF4-FFF2-40B4-BE49-F238E27FC236}">
+                <a16:creationId xmlns:a16="http://schemas.microsoft.com/office/drawing/2014/main" id="{8134853B-D8B9-4144-8635-D3E95B1AB2FC}"/>
+              </a:ext>
+            </a:extLst>
+          </p:cNvPr>
+          <p:cNvGrpSpPr/>
+          <p:nvPr/>
+        </p:nvGrpSpPr>
+        <p:grpSpPr>
+          <a:xfrm>
+            <a:off x="0" y="1434442"/>
+            <a:ext cx="12063774" cy="2314599"/>
+            <a:chOff x="0" y="1434442"/>
+            <a:chExt cx="12063774" cy="2314599"/>
+          </a:xfrm>
+        </p:grpSpPr>
+        <p:pic>
+          <p:nvPicPr>
+            <p:cNvPr id="3" name="Grafik 2">
+              <a:extLst>
+                <a:ext uri="{FF2B5EF4-FFF2-40B4-BE49-F238E27FC236}">
+                  <a16:creationId xmlns:a16="http://schemas.microsoft.com/office/drawing/2014/main" id="{21918B75-F8FD-472E-A421-8736D3D5688A}"/>
+                </a:ext>
+              </a:extLst>
+            </p:cNvPr>
+            <p:cNvPicPr>
+              <a:picLocks noChangeAspect="1"/>
+            </p:cNvPicPr>
+            <p:nvPr/>
+          </p:nvPicPr>
+          <p:blipFill rotWithShape="1">
+            <a:blip r:embed="rId2">
+              <a:extLst>
+                <a:ext uri="{28A0092B-C50C-407E-A947-70E740481C1C}">
+                  <a14:useLocalDpi xmlns:a14="http://schemas.microsoft.com/office/drawing/2010/main" val="0"/>
+                </a:ext>
+              </a:extLst>
+            </a:blip>
+            <a:srcRect/>
+            <a:stretch/>
+          </p:blipFill>
+          <p:spPr>
+            <a:xfrm>
+              <a:off x="0" y="1434442"/>
+              <a:ext cx="12063774" cy="2223158"/>
+            </a:xfrm>
+            <a:prstGeom prst="rect">
+              <a:avLst/>
+            </a:prstGeom>
+          </p:spPr>
+        </p:pic>
+        <p:sp>
+          <p:nvSpPr>
+            <p:cNvPr id="4" name="Rechteck 3">
+              <a:extLst>
+                <a:ext uri="{FF2B5EF4-FFF2-40B4-BE49-F238E27FC236}">
+                  <a16:creationId xmlns:a16="http://schemas.microsoft.com/office/drawing/2014/main" id="{8DC7B1DE-D838-46CE-B9DD-81E651353A61}"/>
+                </a:ext>
+              </a:extLst>
+            </p:cNvPr>
+            <p:cNvSpPr/>
+            <p:nvPr/>
+          </p:nvSpPr>
+          <p:spPr>
+            <a:xfrm>
+              <a:off x="573865" y="3563007"/>
+              <a:ext cx="227023" cy="176574"/>
+            </a:xfrm>
+            <a:prstGeom prst="rect">
+              <a:avLst/>
+            </a:prstGeom>
+            <a:solidFill>
+              <a:schemeClr val="bg1"/>
+            </a:solidFill>
+            <a:ln>
+              <a:solidFill>
+                <a:schemeClr val="bg1"/>
+              </a:solidFill>
+            </a:ln>
+          </p:spPr>
+          <p:style>
+            <a:lnRef idx="2">
+              <a:schemeClr val="accent1">
+                <a:shade val="50000"/>
+              </a:schemeClr>
+            </a:lnRef>
+            <a:fillRef idx="1">
+              <a:schemeClr val="accent1"/>
+            </a:fillRef>
+            <a:effectRef idx="0">
+              <a:schemeClr val="accent1"/>
+            </a:effectRef>
+            <a:fontRef idx="minor">
+              <a:schemeClr val="lt1"/>
+            </a:fontRef>
+          </p:style>
+          <p:txBody>
+            <a:bodyPr rtlCol="0" anchor="ctr"/>
+            <a:lstStyle/>
+            <a:p>
+              <a:pPr algn="ctr"/>
+              <a:endParaRPr lang="de-DE"/>
+            </a:p>
+          </p:txBody>
+        </p:sp>
+        <p:sp>
+          <p:nvSpPr>
+            <p:cNvPr id="5" name="Rechteck 4">
+              <a:extLst>
+                <a:ext uri="{FF2B5EF4-FFF2-40B4-BE49-F238E27FC236}">
+                  <a16:creationId xmlns:a16="http://schemas.microsoft.com/office/drawing/2014/main" id="{AE7FCC5F-B1F7-4BA4-986D-B490C6EC2F29}"/>
+                </a:ext>
+              </a:extLst>
+            </p:cNvPr>
+            <p:cNvSpPr/>
+            <p:nvPr/>
+          </p:nvSpPr>
+          <p:spPr>
+            <a:xfrm>
+              <a:off x="1634359" y="3572467"/>
+              <a:ext cx="227023" cy="176574"/>
+            </a:xfrm>
+            <a:prstGeom prst="rect">
+              <a:avLst/>
+            </a:prstGeom>
+            <a:solidFill>
+              <a:schemeClr val="bg1"/>
+            </a:solidFill>
+            <a:ln>
+              <a:solidFill>
+                <a:schemeClr val="bg1"/>
+              </a:solidFill>
+            </a:ln>
+          </p:spPr>
+          <p:style>
+            <a:lnRef idx="2">
+              <a:schemeClr val="accent1">
+                <a:shade val="50000"/>
+              </a:schemeClr>
+            </a:lnRef>
+            <a:fillRef idx="1">
+              <a:schemeClr val="accent1"/>
+            </a:fillRef>
+            <a:effectRef idx="0">
+              <a:schemeClr val="accent1"/>
+            </a:effectRef>
+            <a:fontRef idx="minor">
+              <a:schemeClr val="lt1"/>
+            </a:fontRef>
+          </p:style>
+          <p:txBody>
+            <a:bodyPr rtlCol="0" anchor="ctr"/>
+            <a:lstStyle/>
+            <a:p>
+              <a:pPr algn="ctr"/>
+              <a:endParaRPr lang="de-DE"/>
+            </a:p>
+          </p:txBody>
+        </p:sp>
+        <p:sp>
+          <p:nvSpPr>
+            <p:cNvPr id="6" name="Rechteck 5">
+              <a:extLst>
+                <a:ext uri="{FF2B5EF4-FFF2-40B4-BE49-F238E27FC236}">
+                  <a16:creationId xmlns:a16="http://schemas.microsoft.com/office/drawing/2014/main" id="{09D80133-3C5C-448D-9265-5DF0945B1036}"/>
+                </a:ext>
+              </a:extLst>
+            </p:cNvPr>
+            <p:cNvSpPr/>
+            <p:nvPr/>
+          </p:nvSpPr>
+          <p:spPr>
+            <a:xfrm>
+              <a:off x="2310174" y="3207757"/>
+              <a:ext cx="227023" cy="541283"/>
+            </a:xfrm>
+            <a:prstGeom prst="rect">
+              <a:avLst/>
+            </a:prstGeom>
+            <a:solidFill>
+              <a:schemeClr val="bg1"/>
+            </a:solidFill>
+            <a:ln>
+              <a:solidFill>
+                <a:schemeClr val="bg1"/>
+              </a:solidFill>
+            </a:ln>
+          </p:spPr>
+          <p:style>
+            <a:lnRef idx="2">
+              <a:schemeClr val="accent1">
+                <a:shade val="50000"/>
+              </a:schemeClr>
+            </a:lnRef>
+            <a:fillRef idx="1">
+              <a:schemeClr val="accent1"/>
+            </a:fillRef>
+            <a:effectRef idx="0">
+              <a:schemeClr val="accent1"/>
+            </a:effectRef>
+            <a:fontRef idx="minor">
+              <a:schemeClr val="lt1"/>
+            </a:fontRef>
+          </p:style>
+          <p:txBody>
+            <a:bodyPr rtlCol="0" anchor="ctr"/>
+            <a:lstStyle/>
+            <a:p>
+              <a:pPr algn="ctr"/>
+              <a:endParaRPr lang="de-DE"/>
+            </a:p>
+          </p:txBody>
+        </p:sp>
+        <p:sp>
+          <p:nvSpPr>
+            <p:cNvPr id="7" name="Rechteck 6">
+              <a:extLst>
+                <a:ext uri="{FF2B5EF4-FFF2-40B4-BE49-F238E27FC236}">
+                  <a16:creationId xmlns:a16="http://schemas.microsoft.com/office/drawing/2014/main" id="{E05AAEB0-632B-4BC3-9559-C0F47174CA74}"/>
+                </a:ext>
+              </a:extLst>
+            </p:cNvPr>
+            <p:cNvSpPr/>
+            <p:nvPr/>
+          </p:nvSpPr>
+          <p:spPr>
+            <a:xfrm>
+              <a:off x="3370668" y="3563007"/>
+              <a:ext cx="227023" cy="176574"/>
+            </a:xfrm>
+            <a:prstGeom prst="rect">
+              <a:avLst/>
+            </a:prstGeom>
+            <a:solidFill>
+              <a:schemeClr val="bg1"/>
+            </a:solidFill>
+            <a:ln>
+              <a:solidFill>
+                <a:schemeClr val="bg1"/>
+              </a:solidFill>
+            </a:ln>
+          </p:spPr>
+          <p:style>
+            <a:lnRef idx="2">
+              <a:schemeClr val="accent1">
+                <a:shade val="50000"/>
+              </a:schemeClr>
+            </a:lnRef>
+            <a:fillRef idx="1">
+              <a:schemeClr val="accent1"/>
+            </a:fillRef>
+            <a:effectRef idx="0">
+              <a:schemeClr val="accent1"/>
+            </a:effectRef>
+            <a:fontRef idx="minor">
+              <a:schemeClr val="lt1"/>
+            </a:fontRef>
+          </p:style>
+          <p:txBody>
+            <a:bodyPr rtlCol="0" anchor="ctr"/>
+            <a:lstStyle/>
+            <a:p>
+              <a:pPr algn="ctr"/>
+              <a:endParaRPr lang="de-DE"/>
+            </a:p>
+          </p:txBody>
+        </p:sp>
+        <p:sp>
+          <p:nvSpPr>
+            <p:cNvPr id="8" name="Rechteck 7">
+              <a:extLst>
+                <a:ext uri="{FF2B5EF4-FFF2-40B4-BE49-F238E27FC236}">
+                  <a16:creationId xmlns:a16="http://schemas.microsoft.com/office/drawing/2014/main" id="{CBAF8D67-D3E7-46BB-B099-7CC13187B36E}"/>
+                </a:ext>
+              </a:extLst>
+            </p:cNvPr>
+            <p:cNvSpPr/>
+            <p:nvPr/>
+          </p:nvSpPr>
+          <p:spPr>
+            <a:xfrm>
+              <a:off x="4589868" y="3484180"/>
+              <a:ext cx="227023" cy="176574"/>
+            </a:xfrm>
+            <a:prstGeom prst="rect">
+              <a:avLst/>
+            </a:prstGeom>
+            <a:solidFill>
+              <a:schemeClr val="bg1"/>
+            </a:solidFill>
+            <a:ln>
+              <a:solidFill>
+                <a:schemeClr val="bg1"/>
+              </a:solidFill>
+            </a:ln>
+          </p:spPr>
+          <p:style>
+            <a:lnRef idx="2">
+              <a:schemeClr val="accent1">
+                <a:shade val="50000"/>
+              </a:schemeClr>
+            </a:lnRef>
+            <a:fillRef idx="1">
+              <a:schemeClr val="accent1"/>
+            </a:fillRef>
+            <a:effectRef idx="0">
+              <a:schemeClr val="accent1"/>
+            </a:effectRef>
+            <a:fontRef idx="minor">
+              <a:schemeClr val="lt1"/>
+            </a:fontRef>
+          </p:style>
+          <p:txBody>
+            <a:bodyPr rtlCol="0" anchor="ctr"/>
+            <a:lstStyle/>
+            <a:p>
+              <a:pPr algn="ctr"/>
+              <a:endParaRPr lang="de-DE"/>
+            </a:p>
+          </p:txBody>
+        </p:sp>
+        <p:sp>
+          <p:nvSpPr>
+            <p:cNvPr id="9" name="Rechteck 8">
+              <a:extLst>
+                <a:ext uri="{FF2B5EF4-FFF2-40B4-BE49-F238E27FC236}">
+                  <a16:creationId xmlns:a16="http://schemas.microsoft.com/office/drawing/2014/main" id="{602874CD-15EB-4529-AC89-47962AB29211}"/>
+                </a:ext>
+              </a:extLst>
+            </p:cNvPr>
+            <p:cNvSpPr/>
+            <p:nvPr/>
+          </p:nvSpPr>
+          <p:spPr>
+            <a:xfrm>
+              <a:off x="5748634" y="3522017"/>
+              <a:ext cx="227023" cy="176574"/>
+            </a:xfrm>
+            <a:prstGeom prst="rect">
+              <a:avLst/>
+            </a:prstGeom>
+            <a:solidFill>
+              <a:schemeClr val="bg1"/>
+            </a:solidFill>
+            <a:ln>
+              <a:solidFill>
+                <a:schemeClr val="bg1"/>
+              </a:solidFill>
+            </a:ln>
+          </p:spPr>
+          <p:style>
+            <a:lnRef idx="2">
+              <a:schemeClr val="accent1">
+                <a:shade val="50000"/>
+              </a:schemeClr>
+            </a:lnRef>
+            <a:fillRef idx="1">
+              <a:schemeClr val="accent1"/>
+            </a:fillRef>
+            <a:effectRef idx="0">
+              <a:schemeClr val="accent1"/>
+            </a:effectRef>
+            <a:fontRef idx="minor">
+              <a:schemeClr val="lt1"/>
+            </a:fontRef>
+          </p:style>
+          <p:txBody>
+            <a:bodyPr rtlCol="0" anchor="ctr"/>
+            <a:lstStyle/>
+            <a:p>
+              <a:pPr algn="ctr"/>
+              <a:endParaRPr lang="de-DE"/>
+            </a:p>
+          </p:txBody>
+        </p:sp>
+        <p:sp>
+          <p:nvSpPr>
+            <p:cNvPr id="10" name="Rechteck 9">
+              <a:extLst>
+                <a:ext uri="{FF2B5EF4-FFF2-40B4-BE49-F238E27FC236}">
+                  <a16:creationId xmlns:a16="http://schemas.microsoft.com/office/drawing/2014/main" id="{6852A75B-16F7-421C-ACB4-EFB3509F898A}"/>
+                </a:ext>
+              </a:extLst>
+            </p:cNvPr>
+            <p:cNvSpPr/>
+            <p:nvPr/>
+          </p:nvSpPr>
+          <p:spPr>
+            <a:xfrm>
+              <a:off x="7188025" y="3548819"/>
+              <a:ext cx="227023" cy="176574"/>
+            </a:xfrm>
+            <a:prstGeom prst="rect">
+              <a:avLst/>
+            </a:prstGeom>
+            <a:solidFill>
+              <a:schemeClr val="bg1"/>
+            </a:solidFill>
+            <a:ln>
+              <a:solidFill>
+                <a:schemeClr val="bg1"/>
+              </a:solidFill>
+            </a:ln>
+          </p:spPr>
+          <p:style>
+            <a:lnRef idx="2">
+              <a:schemeClr val="accent1">
+                <a:shade val="50000"/>
+              </a:schemeClr>
+            </a:lnRef>
+            <a:fillRef idx="1">
+              <a:schemeClr val="accent1"/>
+            </a:fillRef>
+            <a:effectRef idx="0">
+              <a:schemeClr val="accent1"/>
+            </a:effectRef>
+            <a:fontRef idx="minor">
+              <a:schemeClr val="lt1"/>
+            </a:fontRef>
+          </p:style>
+          <p:txBody>
+            <a:bodyPr rtlCol="0" anchor="ctr"/>
+            <a:lstStyle/>
+            <a:p>
+              <a:pPr algn="ctr"/>
+              <a:endParaRPr lang="de-DE"/>
+            </a:p>
+          </p:txBody>
+        </p:sp>
+        <p:sp>
+          <p:nvSpPr>
+            <p:cNvPr id="11" name="Rechteck 10">
+              <a:extLst>
+                <a:ext uri="{FF2B5EF4-FFF2-40B4-BE49-F238E27FC236}">
+                  <a16:creationId xmlns:a16="http://schemas.microsoft.com/office/drawing/2014/main" id="{FD240EE3-64F6-4355-96B9-5B431124DEDA}"/>
+                </a:ext>
+              </a:extLst>
+            </p:cNvPr>
+            <p:cNvSpPr/>
+            <p:nvPr/>
+          </p:nvSpPr>
+          <p:spPr>
+            <a:xfrm>
+              <a:off x="10039481" y="3501522"/>
+              <a:ext cx="227023" cy="176574"/>
+            </a:xfrm>
+            <a:prstGeom prst="rect">
+              <a:avLst/>
+            </a:prstGeom>
+            <a:solidFill>
+              <a:schemeClr val="bg1"/>
+            </a:solidFill>
+            <a:ln>
+              <a:solidFill>
+                <a:schemeClr val="bg1"/>
+              </a:solidFill>
+            </a:ln>
+          </p:spPr>
+          <p:style>
+            <a:lnRef idx="2">
+              <a:schemeClr val="accent1">
+                <a:shade val="50000"/>
+              </a:schemeClr>
+            </a:lnRef>
+            <a:fillRef idx="1">
+              <a:schemeClr val="accent1"/>
+            </a:fillRef>
+            <a:effectRef idx="0">
+              <a:schemeClr val="accent1"/>
+            </a:effectRef>
+            <a:fontRef idx="minor">
+              <a:schemeClr val="lt1"/>
+            </a:fontRef>
+          </p:style>
+          <p:txBody>
+            <a:bodyPr rtlCol="0" anchor="ctr"/>
+            <a:lstStyle/>
+            <a:p>
+              <a:pPr algn="ctr"/>
+              <a:endParaRPr lang="de-DE"/>
+            </a:p>
+          </p:txBody>
+        </p:sp>
+      </p:grpSp>
+    </p:spTree>
+    <p:extLst>
+      <p:ext uri="{BB962C8B-B14F-4D97-AF65-F5344CB8AC3E}">
+        <p14:creationId xmlns:p14="http://schemas.microsoft.com/office/powerpoint/2010/main" val="1609206734"/>
+      </p:ext>
+    </p:extLst>
+  </p:cSld>
+  <p:clrMapOvr>
+    <a:masterClrMapping/>
+  </p:clrMapOvr>
+</p:sld>
+</file>
+
 <file path=ppt/theme/theme1.xml><?xml version="1.0" encoding="utf-8"?>
 <a:theme xmlns:a="http://schemas.openxmlformats.org/drawingml/2006/main" name="Office">
   <a:themeElements>
